--- a/CHAPTER_1.pptx
+++ b/CHAPTER_1.pptx
@@ -209,7 +209,7 @@
           <a:p>
             <a:fld id="{C12CFB79-D300-4D62-B1BB-417A70210E0C}" type="datetimeFigureOut">
               <a:rPr lang="en-US" smtClean="0"/>
-              <a:t>24/04/2018</a:t>
+              <a:t>5/9/2024</a:t>
             </a:fld>
             <a:endParaRPr lang="en-US"/>
           </a:p>
@@ -273,38 +273,37 @@
           <a:p>
             <a:pPr lvl="0"/>
             <a:r>
-              <a:rPr lang="en-US" smtClean="0"/>
+              <a:rPr lang="en-US"/>
               <a:t>Click to edit Master text styles</a:t>
             </a:r>
           </a:p>
           <a:p>
             <a:pPr lvl="1"/>
             <a:r>
-              <a:rPr lang="en-US" smtClean="0"/>
+              <a:rPr lang="en-US"/>
               <a:t>Second level</a:t>
             </a:r>
           </a:p>
           <a:p>
             <a:pPr lvl="2"/>
             <a:r>
-              <a:rPr lang="en-US" smtClean="0"/>
+              <a:rPr lang="en-US"/>
               <a:t>Third level</a:t>
             </a:r>
           </a:p>
           <a:p>
             <a:pPr lvl="3"/>
             <a:r>
-              <a:rPr lang="en-US" smtClean="0"/>
+              <a:rPr lang="en-US"/>
               <a:t>Fourth level</a:t>
             </a:r>
           </a:p>
           <a:p>
             <a:pPr lvl="4"/>
             <a:r>
-              <a:rPr lang="en-US" smtClean="0"/>
+              <a:rPr lang="en-US"/>
               <a:t>Fifth level</a:t>
             </a:r>
-            <a:endParaRPr lang="en-US"/>
           </a:p>
         </p:txBody>
       </p:sp>
@@ -549,7 +548,7 @@
           <a:bodyPr/>
           <a:lstStyle/>
           <a:p>
-            <a:endParaRPr lang="en-US" smtClean="0">
+            <a:endParaRPr lang="en-US">
               <a:latin typeface="Arial" panose="020B0604020202020204" pitchFamily="34" charset="0"/>
             </a:endParaRPr>
           </a:p>
@@ -694,7 +693,7 @@
               <a:pPr/>
               <a:t>4</a:t>
             </a:fld>
-            <a:endParaRPr lang="en-US" b="0" smtClean="0"/>
+            <a:endParaRPr lang="en-US" b="0"/>
           </a:p>
         </p:txBody>
       </p:sp>
@@ -761,10 +760,9 @@
           <a:lstStyle/>
           <a:p>
             <a:r>
-              <a:rPr lang="en-US" smtClean="0"/>
+              <a:rPr lang="en-US"/>
               <a:t>Working with three levels</a:t>
             </a:r>
-            <a:endParaRPr lang="en-US"/>
           </a:p>
         </p:txBody>
       </p:sp>
@@ -854,11 +852,11 @@
           <a:lstStyle/>
           <a:p>
             <a:r>
-              <a:rPr lang="en-US" smtClean="0"/>
+              <a:rPr lang="en-US"/>
               <a:t>Teacher should</a:t>
             </a:r>
             <a:r>
-              <a:rPr lang="en-US" baseline="0" smtClean="0"/>
+              <a:rPr lang="en-US" baseline="0"/>
               <a:t> explain more detail about every type of requirements</a:t>
             </a:r>
             <a:endParaRPr lang="en-US"/>
@@ -951,19 +949,19 @@
           <a:lstStyle/>
           <a:p>
             <a:r>
-              <a:rPr lang="en-US" smtClean="0"/>
+              <a:rPr lang="en-US"/>
               <a:t>Teacher should</a:t>
             </a:r>
             <a:r>
-              <a:rPr lang="en-US" baseline="0" smtClean="0"/>
+              <a:rPr lang="en-US" baseline="0"/>
               <a:t> e</a:t>
             </a:r>
             <a:r>
-              <a:rPr lang="en-US" smtClean="0"/>
+              <a:rPr lang="en-US"/>
               <a:t>xplain every</a:t>
             </a:r>
             <a:r>
-              <a:rPr lang="en-US" baseline="0" smtClean="0"/>
+              <a:rPr lang="en-US" baseline="0"/>
               <a:t> step</a:t>
             </a:r>
             <a:endParaRPr lang="en-US"/>
@@ -1142,10 +1140,9 @@
           </a:lstStyle>
           <a:p>
             <a:r>
-              <a:rPr lang="en-US" dirty="0" smtClean="0"/>
+              <a:rPr lang="en-US" dirty="0"/>
               <a:t>CLICK TO EDIT MASTER TITLE STYLE</a:t>
             </a:r>
-            <a:endParaRPr lang="en-US" dirty="0"/>
           </a:p>
         </p:txBody>
       </p:sp>
@@ -1349,7 +1346,7 @@
           </a:lstStyle>
           <a:p>
             <a:r>
-              <a:rPr lang="en-US" sz="3200" smtClean="0"/>
+              <a:rPr lang="en-US" sz="3200"/>
               <a:t>Click to edit Master title style</a:t>
             </a:r>
             <a:endParaRPr lang="en-US" sz="3200" dirty="0"/>
@@ -1381,35 +1378,35 @@
           <a:p>
             <a:pPr lvl="0"/>
             <a:r>
-              <a:rPr lang="en-US" smtClean="0"/>
+              <a:rPr lang="en-US"/>
               <a:t>Click to edit Master text styles</a:t>
             </a:r>
           </a:p>
           <a:p>
             <a:pPr lvl="1"/>
             <a:r>
-              <a:rPr lang="en-US" smtClean="0"/>
+              <a:rPr lang="en-US"/>
               <a:t>Second level</a:t>
             </a:r>
           </a:p>
           <a:p>
             <a:pPr lvl="2"/>
             <a:r>
-              <a:rPr lang="en-US" smtClean="0"/>
+              <a:rPr lang="en-US"/>
               <a:t>Third level</a:t>
             </a:r>
           </a:p>
           <a:p>
             <a:pPr lvl="3"/>
             <a:r>
-              <a:rPr lang="en-US" smtClean="0"/>
+              <a:rPr lang="en-US"/>
               <a:t>Fourth level</a:t>
             </a:r>
           </a:p>
           <a:p>
             <a:pPr lvl="4"/>
             <a:r>
-              <a:rPr lang="en-US" smtClean="0"/>
+              <a:rPr lang="en-US"/>
               <a:t>Fifth level</a:t>
             </a:r>
             <a:endParaRPr lang="en-US" dirty="0"/>
@@ -1426,13 +1423,6 @@
   <p:clrMapOvr>
     <a:masterClrMapping/>
   </p:clrMapOvr>
-  <p:timing>
-    <p:tnLst>
-      <p:par>
-        <p:cTn id="1" dur="indefinite" restart="never" nodeType="tmRoot"/>
-      </p:par>
-    </p:tnLst>
-  </p:timing>
 </p:sldLayout>
 </file>
 
@@ -1477,10 +1467,9 @@
           <a:lstStyle/>
           <a:p>
             <a:r>
-              <a:rPr lang="en-US" smtClean="0"/>
+              <a:rPr lang="en-US"/>
               <a:t>Click to edit Master title style</a:t>
             </a:r>
-            <a:endParaRPr lang="en-US"/>
           </a:p>
         </p:txBody>
       </p:sp>
@@ -1509,38 +1498,37 @@
           <a:p>
             <a:pPr lvl="0"/>
             <a:r>
-              <a:rPr lang="en-US" smtClean="0"/>
+              <a:rPr lang="en-US"/>
               <a:t>Click to edit Master text styles</a:t>
             </a:r>
           </a:p>
           <a:p>
             <a:pPr lvl="1"/>
             <a:r>
-              <a:rPr lang="en-US" smtClean="0"/>
+              <a:rPr lang="en-US"/>
               <a:t>Second level</a:t>
             </a:r>
           </a:p>
           <a:p>
             <a:pPr lvl="2"/>
             <a:r>
-              <a:rPr lang="en-US" smtClean="0"/>
+              <a:rPr lang="en-US"/>
               <a:t>Third level</a:t>
             </a:r>
           </a:p>
           <a:p>
             <a:pPr lvl="3"/>
             <a:r>
-              <a:rPr lang="en-US" smtClean="0"/>
+              <a:rPr lang="en-US"/>
               <a:t>Fourth level</a:t>
             </a:r>
           </a:p>
           <a:p>
             <a:pPr lvl="4"/>
             <a:r>
-              <a:rPr lang="en-US" smtClean="0"/>
+              <a:rPr lang="en-US"/>
               <a:t>Fifth level</a:t>
             </a:r>
-            <a:endParaRPr lang="en-US"/>
           </a:p>
         </p:txBody>
       </p:sp>
@@ -1569,7 +1557,7 @@
           <a:p>
             <a:fld id="{31F5B154-6733-44EE-BCED-0CE01457041A}" type="datetimeFigureOut">
               <a:rPr lang="en-US" smtClean="0"/>
-              <a:t>24/04/2018</a:t>
+              <a:t>5/9/2024</a:t>
             </a:fld>
             <a:endParaRPr lang="en-US"/>
           </a:p>
@@ -1691,10 +1679,9 @@
           </a:lstStyle>
           <a:p>
             <a:r>
-              <a:rPr lang="en-US" smtClean="0"/>
+              <a:rPr lang="en-US"/>
               <a:t>Click to edit Master title style</a:t>
             </a:r>
-            <a:endParaRPr lang="en-US"/>
           </a:p>
         </p:txBody>
       </p:sp>
@@ -1814,7 +1801,7 @@
           <a:p>
             <a:pPr lvl="0"/>
             <a:r>
-              <a:rPr lang="en-US" smtClean="0"/>
+              <a:rPr lang="en-US"/>
               <a:t>Click to edit Master text styles</a:t>
             </a:r>
           </a:p>
@@ -1845,7 +1832,7 @@
           <a:p>
             <a:fld id="{31F5B154-6733-44EE-BCED-0CE01457041A}" type="datetimeFigureOut">
               <a:rPr lang="en-US" smtClean="0"/>
-              <a:t>24/04/2018</a:t>
+              <a:t>5/9/2024</a:t>
             </a:fld>
             <a:endParaRPr lang="en-US"/>
           </a:p>
@@ -1963,10 +1950,9 @@
           <a:lstStyle/>
           <a:p>
             <a:r>
-              <a:rPr lang="en-US" smtClean="0"/>
+              <a:rPr lang="en-US"/>
               <a:t>Click to edit Master title style</a:t>
             </a:r>
-            <a:endParaRPr lang="en-US"/>
           </a:p>
         </p:txBody>
       </p:sp>
@@ -2023,38 +2009,37 @@
           <a:p>
             <a:pPr lvl="0"/>
             <a:r>
-              <a:rPr lang="en-US" smtClean="0"/>
+              <a:rPr lang="en-US"/>
               <a:t>Click to edit Master text styles</a:t>
             </a:r>
           </a:p>
           <a:p>
             <a:pPr lvl="1"/>
             <a:r>
-              <a:rPr lang="en-US" smtClean="0"/>
+              <a:rPr lang="en-US"/>
               <a:t>Second level</a:t>
             </a:r>
           </a:p>
           <a:p>
             <a:pPr lvl="2"/>
             <a:r>
-              <a:rPr lang="en-US" smtClean="0"/>
+              <a:rPr lang="en-US"/>
               <a:t>Third level</a:t>
             </a:r>
           </a:p>
           <a:p>
             <a:pPr lvl="3"/>
             <a:r>
-              <a:rPr lang="en-US" smtClean="0"/>
+              <a:rPr lang="en-US"/>
               <a:t>Fourth level</a:t>
             </a:r>
           </a:p>
           <a:p>
             <a:pPr lvl="4"/>
             <a:r>
-              <a:rPr lang="en-US" smtClean="0"/>
+              <a:rPr lang="en-US"/>
               <a:t>Fifth level</a:t>
             </a:r>
-            <a:endParaRPr lang="en-US"/>
           </a:p>
         </p:txBody>
       </p:sp>
@@ -2111,38 +2096,37 @@
           <a:p>
             <a:pPr lvl="0"/>
             <a:r>
-              <a:rPr lang="en-US" smtClean="0"/>
+              <a:rPr lang="en-US"/>
               <a:t>Click to edit Master text styles</a:t>
             </a:r>
           </a:p>
           <a:p>
             <a:pPr lvl="1"/>
             <a:r>
-              <a:rPr lang="en-US" smtClean="0"/>
+              <a:rPr lang="en-US"/>
               <a:t>Second level</a:t>
             </a:r>
           </a:p>
           <a:p>
             <a:pPr lvl="2"/>
             <a:r>
-              <a:rPr lang="en-US" smtClean="0"/>
+              <a:rPr lang="en-US"/>
               <a:t>Third level</a:t>
             </a:r>
           </a:p>
           <a:p>
             <a:pPr lvl="3"/>
             <a:r>
-              <a:rPr lang="en-US" smtClean="0"/>
+              <a:rPr lang="en-US"/>
               <a:t>Fourth level</a:t>
             </a:r>
           </a:p>
           <a:p>
             <a:pPr lvl="4"/>
             <a:r>
-              <a:rPr lang="en-US" smtClean="0"/>
+              <a:rPr lang="en-US"/>
               <a:t>Fifth level</a:t>
             </a:r>
-            <a:endParaRPr lang="en-US"/>
           </a:p>
         </p:txBody>
       </p:sp>
@@ -2171,7 +2155,7 @@
           <a:p>
             <a:fld id="{31F5B154-6733-44EE-BCED-0CE01457041A}" type="datetimeFigureOut">
               <a:rPr lang="en-US" smtClean="0"/>
-              <a:t>24/04/2018</a:t>
+              <a:t>5/9/2024</a:t>
             </a:fld>
             <a:endParaRPr lang="en-US"/>
           </a:p>
@@ -2293,10 +2277,9 @@
           </a:lstStyle>
           <a:p>
             <a:r>
-              <a:rPr lang="en-US" smtClean="0"/>
+              <a:rPr lang="en-US"/>
               <a:t>Click to edit Master title style</a:t>
             </a:r>
-            <a:endParaRPr lang="en-US"/>
           </a:p>
         </p:txBody>
       </p:sp>
@@ -2362,7 +2345,7 @@
           <a:p>
             <a:pPr lvl="0"/>
             <a:r>
-              <a:rPr lang="en-US" smtClean="0"/>
+              <a:rPr lang="en-US"/>
               <a:t>Click to edit Master text styles</a:t>
             </a:r>
           </a:p>
@@ -2421,38 +2404,37 @@
           <a:p>
             <a:pPr lvl="0"/>
             <a:r>
-              <a:rPr lang="en-US" smtClean="0"/>
+              <a:rPr lang="en-US"/>
               <a:t>Click to edit Master text styles</a:t>
             </a:r>
           </a:p>
           <a:p>
             <a:pPr lvl="1"/>
             <a:r>
-              <a:rPr lang="en-US" smtClean="0"/>
+              <a:rPr lang="en-US"/>
               <a:t>Second level</a:t>
             </a:r>
           </a:p>
           <a:p>
             <a:pPr lvl="2"/>
             <a:r>
-              <a:rPr lang="en-US" smtClean="0"/>
+              <a:rPr lang="en-US"/>
               <a:t>Third level</a:t>
             </a:r>
           </a:p>
           <a:p>
             <a:pPr lvl="3"/>
             <a:r>
-              <a:rPr lang="en-US" smtClean="0"/>
+              <a:rPr lang="en-US"/>
               <a:t>Fourth level</a:t>
             </a:r>
           </a:p>
           <a:p>
             <a:pPr lvl="4"/>
             <a:r>
-              <a:rPr lang="en-US" smtClean="0"/>
+              <a:rPr lang="en-US"/>
               <a:t>Fifth level</a:t>
             </a:r>
-            <a:endParaRPr lang="en-US"/>
           </a:p>
         </p:txBody>
       </p:sp>
@@ -2518,7 +2500,7 @@
           <a:p>
             <a:pPr lvl="0"/>
             <a:r>
-              <a:rPr lang="en-US" smtClean="0"/>
+              <a:rPr lang="en-US"/>
               <a:t>Click to edit Master text styles</a:t>
             </a:r>
           </a:p>
@@ -2577,38 +2559,37 @@
           <a:p>
             <a:pPr lvl="0"/>
             <a:r>
-              <a:rPr lang="en-US" smtClean="0"/>
+              <a:rPr lang="en-US"/>
               <a:t>Click to edit Master text styles</a:t>
             </a:r>
           </a:p>
           <a:p>
             <a:pPr lvl="1"/>
             <a:r>
-              <a:rPr lang="en-US" smtClean="0"/>
+              <a:rPr lang="en-US"/>
               <a:t>Second level</a:t>
             </a:r>
           </a:p>
           <a:p>
             <a:pPr lvl="2"/>
             <a:r>
-              <a:rPr lang="en-US" smtClean="0"/>
+              <a:rPr lang="en-US"/>
               <a:t>Third level</a:t>
             </a:r>
           </a:p>
           <a:p>
             <a:pPr lvl="3"/>
             <a:r>
-              <a:rPr lang="en-US" smtClean="0"/>
+              <a:rPr lang="en-US"/>
               <a:t>Fourth level</a:t>
             </a:r>
           </a:p>
           <a:p>
             <a:pPr lvl="4"/>
             <a:r>
-              <a:rPr lang="en-US" smtClean="0"/>
+              <a:rPr lang="en-US"/>
               <a:t>Fifth level</a:t>
             </a:r>
-            <a:endParaRPr lang="en-US"/>
           </a:p>
         </p:txBody>
       </p:sp>
@@ -2637,7 +2618,7 @@
           <a:p>
             <a:fld id="{31F5B154-6733-44EE-BCED-0CE01457041A}" type="datetimeFigureOut">
               <a:rPr lang="en-US" smtClean="0"/>
-              <a:t>24/04/2018</a:t>
+              <a:t>5/9/2024</a:t>
             </a:fld>
             <a:endParaRPr lang="en-US"/>
           </a:p>
@@ -2755,10 +2736,9 @@
           <a:lstStyle/>
           <a:p>
             <a:r>
-              <a:rPr lang="en-US" smtClean="0"/>
+              <a:rPr lang="en-US"/>
               <a:t>Click to edit Master title style</a:t>
             </a:r>
-            <a:endParaRPr lang="en-US"/>
           </a:p>
         </p:txBody>
       </p:sp>
@@ -2787,7 +2767,7 @@
           <a:p>
             <a:fld id="{31F5B154-6733-44EE-BCED-0CE01457041A}" type="datetimeFigureOut">
               <a:rPr lang="en-US" smtClean="0"/>
-              <a:t>24/04/2018</a:t>
+              <a:t>5/9/2024</a:t>
             </a:fld>
             <a:endParaRPr lang="en-US"/>
           </a:p>
@@ -2906,7 +2886,7 @@
           <a:p>
             <a:fld id="{31F5B154-6733-44EE-BCED-0CE01457041A}" type="datetimeFigureOut">
               <a:rPr lang="en-US" smtClean="0"/>
-              <a:t>24/04/2018</a:t>
+              <a:t>5/9/2024</a:t>
             </a:fld>
             <a:endParaRPr lang="en-US"/>
           </a:p>
@@ -3028,10 +3008,9 @@
           </a:lstStyle>
           <a:p>
             <a:r>
-              <a:rPr lang="en-US" smtClean="0"/>
+              <a:rPr lang="en-US"/>
               <a:t>Click to edit Master title style</a:t>
             </a:r>
-            <a:endParaRPr lang="en-US"/>
           </a:p>
         </p:txBody>
       </p:sp>
@@ -3088,38 +3067,37 @@
           <a:p>
             <a:pPr lvl="0"/>
             <a:r>
-              <a:rPr lang="en-US" smtClean="0"/>
+              <a:rPr lang="en-US"/>
               <a:t>Click to edit Master text styles</a:t>
             </a:r>
           </a:p>
           <a:p>
             <a:pPr lvl="1"/>
             <a:r>
-              <a:rPr lang="en-US" smtClean="0"/>
+              <a:rPr lang="en-US"/>
               <a:t>Second level</a:t>
             </a:r>
           </a:p>
           <a:p>
             <a:pPr lvl="2"/>
             <a:r>
-              <a:rPr lang="en-US" smtClean="0"/>
+              <a:rPr lang="en-US"/>
               <a:t>Third level</a:t>
             </a:r>
           </a:p>
           <a:p>
             <a:pPr lvl="3"/>
             <a:r>
-              <a:rPr lang="en-US" smtClean="0"/>
+              <a:rPr lang="en-US"/>
               <a:t>Fourth level</a:t>
             </a:r>
           </a:p>
           <a:p>
             <a:pPr lvl="4"/>
             <a:r>
-              <a:rPr lang="en-US" smtClean="0"/>
+              <a:rPr lang="en-US"/>
               <a:t>Fifth level</a:t>
             </a:r>
-            <a:endParaRPr lang="en-US"/>
           </a:p>
         </p:txBody>
       </p:sp>
@@ -3185,7 +3163,7 @@
           <a:p>
             <a:pPr lvl="0"/>
             <a:r>
-              <a:rPr lang="en-US" smtClean="0"/>
+              <a:rPr lang="en-US"/>
               <a:t>Click to edit Master text styles</a:t>
             </a:r>
           </a:p>
@@ -3216,7 +3194,7 @@
           <a:p>
             <a:fld id="{31F5B154-6733-44EE-BCED-0CE01457041A}" type="datetimeFigureOut">
               <a:rPr lang="en-US" smtClean="0"/>
-              <a:t>24/04/2018</a:t>
+              <a:t>5/9/2024</a:t>
             </a:fld>
             <a:endParaRPr lang="en-US"/>
           </a:p>
@@ -3338,10 +3316,9 @@
           </a:lstStyle>
           <a:p>
             <a:r>
-              <a:rPr lang="en-US" smtClean="0"/>
+              <a:rPr lang="en-US"/>
               <a:t>Click to edit Master title style</a:t>
             </a:r>
-            <a:endParaRPr lang="en-US"/>
           </a:p>
         </p:txBody>
       </p:sp>
@@ -3406,10 +3383,9 @@
           </a:lstStyle>
           <a:p>
             <a:r>
-              <a:rPr lang="en-US" smtClean="0"/>
+              <a:rPr lang="en-US"/>
               <a:t>Click icon to add picture</a:t>
             </a:r>
-            <a:endParaRPr lang="en-US"/>
           </a:p>
         </p:txBody>
       </p:sp>
@@ -3475,7 +3451,7 @@
           <a:p>
             <a:pPr lvl="0"/>
             <a:r>
-              <a:rPr lang="en-US" smtClean="0"/>
+              <a:rPr lang="en-US"/>
               <a:t>Click to edit Master text styles</a:t>
             </a:r>
           </a:p>
@@ -3506,7 +3482,7 @@
           <a:p>
             <a:fld id="{31F5B154-6733-44EE-BCED-0CE01457041A}" type="datetimeFigureOut">
               <a:rPr lang="en-US" smtClean="0"/>
-              <a:t>24/04/2018</a:t>
+              <a:t>5/9/2024</a:t>
             </a:fld>
             <a:endParaRPr lang="en-US"/>
           </a:p>
@@ -3624,10 +3600,9 @@
           <a:lstStyle/>
           <a:p>
             <a:r>
-              <a:rPr lang="en-US" smtClean="0"/>
+              <a:rPr lang="en-US"/>
               <a:t>Click to edit Master title style</a:t>
             </a:r>
-            <a:endParaRPr lang="en-US"/>
           </a:p>
         </p:txBody>
       </p:sp>
@@ -3656,38 +3631,37 @@
           <a:p>
             <a:pPr lvl="0"/>
             <a:r>
-              <a:rPr lang="en-US" smtClean="0"/>
+              <a:rPr lang="en-US"/>
               <a:t>Click to edit Master text styles</a:t>
             </a:r>
           </a:p>
           <a:p>
             <a:pPr lvl="1"/>
             <a:r>
-              <a:rPr lang="en-US" smtClean="0"/>
+              <a:rPr lang="en-US"/>
               <a:t>Second level</a:t>
             </a:r>
           </a:p>
           <a:p>
             <a:pPr lvl="2"/>
             <a:r>
-              <a:rPr lang="en-US" smtClean="0"/>
+              <a:rPr lang="en-US"/>
               <a:t>Third level</a:t>
             </a:r>
           </a:p>
           <a:p>
             <a:pPr lvl="3"/>
             <a:r>
-              <a:rPr lang="en-US" smtClean="0"/>
+              <a:rPr lang="en-US"/>
               <a:t>Fourth level</a:t>
             </a:r>
           </a:p>
           <a:p>
             <a:pPr lvl="4"/>
             <a:r>
-              <a:rPr lang="en-US" smtClean="0"/>
+              <a:rPr lang="en-US"/>
               <a:t>Fifth level</a:t>
             </a:r>
-            <a:endParaRPr lang="en-US"/>
           </a:p>
         </p:txBody>
       </p:sp>
@@ -3716,7 +3690,7 @@
           <a:p>
             <a:fld id="{31F5B154-6733-44EE-BCED-0CE01457041A}" type="datetimeFigureOut">
               <a:rPr lang="en-US" smtClean="0"/>
-              <a:t>24/04/2018</a:t>
+              <a:t>5/9/2024</a:t>
             </a:fld>
             <a:endParaRPr lang="en-US"/>
           </a:p>
@@ -3834,10 +3808,9 @@
           <a:lstStyle/>
           <a:p>
             <a:r>
-              <a:rPr lang="en-US" smtClean="0"/>
+              <a:rPr lang="en-US"/>
               <a:t>Click to edit Master title style</a:t>
             </a:r>
-            <a:endParaRPr lang="en-US"/>
           </a:p>
         </p:txBody>
       </p:sp>
@@ -3866,38 +3839,37 @@
           <a:p>
             <a:pPr lvl="0"/>
             <a:r>
-              <a:rPr lang="en-US" smtClean="0"/>
+              <a:rPr lang="en-US"/>
               <a:t>Click to edit Master text styles</a:t>
             </a:r>
           </a:p>
           <a:p>
             <a:pPr lvl="1"/>
             <a:r>
-              <a:rPr lang="en-US" smtClean="0"/>
+              <a:rPr lang="en-US"/>
               <a:t>Second level</a:t>
             </a:r>
           </a:p>
           <a:p>
             <a:pPr lvl="2"/>
             <a:r>
-              <a:rPr lang="en-US" smtClean="0"/>
+              <a:rPr lang="en-US"/>
               <a:t>Third level</a:t>
             </a:r>
           </a:p>
           <a:p>
             <a:pPr lvl="3"/>
             <a:r>
-              <a:rPr lang="en-US" smtClean="0"/>
+              <a:rPr lang="en-US"/>
               <a:t>Fourth level</a:t>
             </a:r>
           </a:p>
           <a:p>
             <a:pPr lvl="4"/>
             <a:r>
-              <a:rPr lang="en-US" smtClean="0"/>
+              <a:rPr lang="en-US"/>
               <a:t>Fifth level</a:t>
             </a:r>
-            <a:endParaRPr lang="en-US"/>
           </a:p>
         </p:txBody>
       </p:sp>
@@ -3926,7 +3898,7 @@
           <a:p>
             <a:fld id="{31F5B154-6733-44EE-BCED-0CE01457041A}" type="datetimeFigureOut">
               <a:rPr lang="en-US" smtClean="0"/>
-              <a:t>24/04/2018</a:t>
+              <a:t>5/9/2024</a:t>
             </a:fld>
             <a:endParaRPr lang="en-US"/>
           </a:p>
@@ -4240,7 +4212,7 @@
           </a:lstStyle>
           <a:p>
             <a:r>
-              <a:rPr lang="en-US" smtClean="0"/>
+              <a:rPr lang="en-US"/>
               <a:t>Click to edit Master title style</a:t>
             </a:r>
             <a:endParaRPr lang="en-US" dirty="0"/>
@@ -4272,35 +4244,35 @@
           <a:p>
             <a:pPr lvl="0"/>
             <a:r>
-              <a:rPr lang="en-US" smtClean="0"/>
+              <a:rPr lang="en-US"/>
               <a:t>Click to edit Master text styles</a:t>
             </a:r>
           </a:p>
           <a:p>
             <a:pPr lvl="1"/>
             <a:r>
-              <a:rPr lang="en-US" smtClean="0"/>
+              <a:rPr lang="en-US"/>
               <a:t>Second level</a:t>
             </a:r>
           </a:p>
           <a:p>
             <a:pPr lvl="2"/>
             <a:r>
-              <a:rPr lang="en-US" smtClean="0"/>
+              <a:rPr lang="en-US"/>
               <a:t>Third level</a:t>
             </a:r>
           </a:p>
           <a:p>
             <a:pPr lvl="3"/>
             <a:r>
-              <a:rPr lang="en-US" smtClean="0"/>
+              <a:rPr lang="en-US"/>
               <a:t>Fourth level</a:t>
             </a:r>
           </a:p>
           <a:p>
             <a:pPr lvl="4"/>
             <a:r>
-              <a:rPr lang="en-US" smtClean="0"/>
+              <a:rPr lang="en-US"/>
               <a:t>Fifth level</a:t>
             </a:r>
             <a:endParaRPr lang="en-US" dirty="0"/>
@@ -4317,13 +4289,6 @@
   <p:clrMapOvr>
     <a:masterClrMapping/>
   </p:clrMapOvr>
-  <p:timing>
-    <p:tnLst>
-      <p:par>
-        <p:cTn id="1" dur="indefinite" restart="never" nodeType="tmRoot"/>
-      </p:par>
-    </p:tnLst>
-  </p:timing>
 </p:sldLayout>
 </file>
 
@@ -4564,7 +4529,7 @@
           </a:lstStyle>
           <a:p>
             <a:r>
-              <a:rPr lang="en-US" smtClean="0"/>
+              <a:rPr lang="en-US"/>
               <a:t>Click to edit Master title style</a:t>
             </a:r>
             <a:endParaRPr lang="en-US" dirty="0"/>
@@ -4596,35 +4561,35 @@
           <a:p>
             <a:pPr lvl="0"/>
             <a:r>
-              <a:rPr lang="en-US" smtClean="0"/>
+              <a:rPr lang="en-US"/>
               <a:t>Click to edit Master text styles</a:t>
             </a:r>
           </a:p>
           <a:p>
             <a:pPr lvl="1"/>
             <a:r>
-              <a:rPr lang="en-US" smtClean="0"/>
+              <a:rPr lang="en-US"/>
               <a:t>Second level</a:t>
             </a:r>
           </a:p>
           <a:p>
             <a:pPr lvl="2"/>
             <a:r>
-              <a:rPr lang="en-US" smtClean="0"/>
+              <a:rPr lang="en-US"/>
               <a:t>Third level</a:t>
             </a:r>
           </a:p>
           <a:p>
             <a:pPr lvl="3"/>
             <a:r>
-              <a:rPr lang="en-US" smtClean="0"/>
+              <a:rPr lang="en-US"/>
               <a:t>Fourth level</a:t>
             </a:r>
           </a:p>
           <a:p>
             <a:pPr lvl="4"/>
             <a:r>
-              <a:rPr lang="en-US" smtClean="0"/>
+              <a:rPr lang="en-US"/>
               <a:t>Fifth level</a:t>
             </a:r>
             <a:endParaRPr lang="en-US" dirty="0"/>
@@ -4641,13 +4606,6 @@
   <p:clrMapOvr>
     <a:masterClrMapping/>
   </p:clrMapOvr>
-  <p:timing>
-    <p:tnLst>
-      <p:par>
-        <p:cTn id="1" dur="indefinite" restart="never" nodeType="tmRoot"/>
-      </p:par>
-    </p:tnLst>
-  </p:timing>
 </p:sldLayout>
 </file>
 
@@ -4888,7 +4846,7 @@
           </a:lstStyle>
           <a:p>
             <a:r>
-              <a:rPr lang="en-US" smtClean="0"/>
+              <a:rPr lang="en-US"/>
               <a:t>Click to edit Master title style</a:t>
             </a:r>
             <a:endParaRPr lang="en-US" dirty="0"/>
@@ -4920,35 +4878,35 @@
           <a:p>
             <a:pPr lvl="0"/>
             <a:r>
-              <a:rPr lang="en-US" smtClean="0"/>
+              <a:rPr lang="en-US"/>
               <a:t>Click to edit Master text styles</a:t>
             </a:r>
           </a:p>
           <a:p>
             <a:pPr lvl="1"/>
             <a:r>
-              <a:rPr lang="en-US" smtClean="0"/>
+              <a:rPr lang="en-US"/>
               <a:t>Second level</a:t>
             </a:r>
           </a:p>
           <a:p>
             <a:pPr lvl="2"/>
             <a:r>
-              <a:rPr lang="en-US" smtClean="0"/>
+              <a:rPr lang="en-US"/>
               <a:t>Third level</a:t>
             </a:r>
           </a:p>
           <a:p>
             <a:pPr lvl="3"/>
             <a:r>
-              <a:rPr lang="en-US" smtClean="0"/>
+              <a:rPr lang="en-US"/>
               <a:t>Fourth level</a:t>
             </a:r>
           </a:p>
           <a:p>
             <a:pPr lvl="4"/>
             <a:r>
-              <a:rPr lang="en-US" smtClean="0"/>
+              <a:rPr lang="en-US"/>
               <a:t>Fifth level</a:t>
             </a:r>
             <a:endParaRPr lang="en-US" dirty="0"/>
@@ -4965,13 +4923,6 @@
   <p:clrMapOvr>
     <a:masterClrMapping/>
   </p:clrMapOvr>
-  <p:timing>
-    <p:tnLst>
-      <p:par>
-        <p:cTn id="1" dur="indefinite" restart="never" nodeType="tmRoot"/>
-      </p:par>
-    </p:tnLst>
-  </p:timing>
 </p:sldLayout>
 </file>
 
@@ -5212,7 +5163,7 @@
           </a:lstStyle>
           <a:p>
             <a:r>
-              <a:rPr lang="en-US" smtClean="0"/>
+              <a:rPr lang="en-US"/>
               <a:t>Click to edit Master title style</a:t>
             </a:r>
             <a:endParaRPr lang="en-US" dirty="0"/>
@@ -5244,35 +5195,35 @@
           <a:p>
             <a:pPr lvl="0"/>
             <a:r>
-              <a:rPr lang="en-US" smtClean="0"/>
+              <a:rPr lang="en-US"/>
               <a:t>Click to edit Master text styles</a:t>
             </a:r>
           </a:p>
           <a:p>
             <a:pPr lvl="1"/>
             <a:r>
-              <a:rPr lang="en-US" smtClean="0"/>
+              <a:rPr lang="en-US"/>
               <a:t>Second level</a:t>
             </a:r>
           </a:p>
           <a:p>
             <a:pPr lvl="2"/>
             <a:r>
-              <a:rPr lang="en-US" smtClean="0"/>
+              <a:rPr lang="en-US"/>
               <a:t>Third level</a:t>
             </a:r>
           </a:p>
           <a:p>
             <a:pPr lvl="3"/>
             <a:r>
-              <a:rPr lang="en-US" smtClean="0"/>
+              <a:rPr lang="en-US"/>
               <a:t>Fourth level</a:t>
             </a:r>
           </a:p>
           <a:p>
             <a:pPr lvl="4"/>
             <a:r>
-              <a:rPr lang="en-US" smtClean="0"/>
+              <a:rPr lang="en-US"/>
               <a:t>Fifth level</a:t>
             </a:r>
             <a:endParaRPr lang="en-US" dirty="0"/>
@@ -5289,13 +5240,6 @@
   <p:clrMapOvr>
     <a:masterClrMapping/>
   </p:clrMapOvr>
-  <p:timing>
-    <p:tnLst>
-      <p:par>
-        <p:cTn id="1" dur="indefinite" restart="never" nodeType="tmRoot"/>
-      </p:par>
-    </p:tnLst>
-  </p:timing>
 </p:sldLayout>
 </file>
 
@@ -5474,7 +5418,7 @@
           </a:lstStyle>
           <a:p>
             <a:r>
-              <a:rPr lang="en-US" smtClean="0"/>
+              <a:rPr lang="en-US"/>
               <a:t>Click to edit Master title style</a:t>
             </a:r>
             <a:endParaRPr lang="en-US" dirty="0"/>
@@ -5506,35 +5450,35 @@
           <a:p>
             <a:pPr lvl="0"/>
             <a:r>
-              <a:rPr lang="en-US" smtClean="0"/>
+              <a:rPr lang="en-US"/>
               <a:t>Click to edit Master text styles</a:t>
             </a:r>
           </a:p>
           <a:p>
             <a:pPr lvl="1"/>
             <a:r>
-              <a:rPr lang="en-US" smtClean="0"/>
+              <a:rPr lang="en-US"/>
               <a:t>Second level</a:t>
             </a:r>
           </a:p>
           <a:p>
             <a:pPr lvl="2"/>
             <a:r>
-              <a:rPr lang="en-US" smtClean="0"/>
+              <a:rPr lang="en-US"/>
               <a:t>Third level</a:t>
             </a:r>
           </a:p>
           <a:p>
             <a:pPr lvl="3"/>
             <a:r>
-              <a:rPr lang="en-US" smtClean="0"/>
+              <a:rPr lang="en-US"/>
               <a:t>Fourth level</a:t>
             </a:r>
           </a:p>
           <a:p>
             <a:pPr lvl="4"/>
             <a:r>
-              <a:rPr lang="en-US" smtClean="0"/>
+              <a:rPr lang="en-US"/>
               <a:t>Fifth level</a:t>
             </a:r>
             <a:endParaRPr lang="en-US" dirty="0"/>
@@ -5551,13 +5495,6 @@
   <p:clrMapOvr>
     <a:masterClrMapping/>
   </p:clrMapOvr>
-  <p:timing>
-    <p:tnLst>
-      <p:par>
-        <p:cTn id="1" dur="indefinite" restart="never" nodeType="tmRoot"/>
-      </p:par>
-    </p:tnLst>
-  </p:timing>
 </p:sldLayout>
 </file>
 
@@ -5608,7 +5545,7 @@
           </a:lstStyle>
           <a:p>
             <a:r>
-              <a:rPr lang="en-US" smtClean="0"/>
+              <a:rPr lang="en-US"/>
               <a:t>Click to edit Master title style</a:t>
             </a:r>
             <a:endParaRPr lang="en-US" dirty="0"/>
@@ -5731,7 +5668,7 @@
           </a:lstStyle>
           <a:p>
             <a:r>
-              <a:rPr lang="en-US" smtClean="0"/>
+              <a:rPr lang="en-US"/>
               <a:t>Click to edit Master subtitle style</a:t>
             </a:r>
             <a:endParaRPr lang="en-US" dirty="0"/>
@@ -5764,7 +5701,7 @@
             <a:fld id="{B61BEF0D-F0BB-DE4B-95CE-6DB70DBA9567}" type="datetimeFigureOut">
               <a:rPr lang="en-US" dirty="0"/>
               <a:pPr/>
-              <a:t>24/04/2018</a:t>
+              <a:t>5/9/2024</a:t>
             </a:fld>
             <a:endParaRPr lang="en-US" dirty="0"/>
           </a:p>
@@ -5836,13 +5773,6 @@
   <p:clrMapOvr>
     <a:masterClrMapping/>
   </p:clrMapOvr>
-  <p:timing>
-    <p:tnLst>
-      <p:par>
-        <p:cTn id="1" dur="indefinite" restart="never" nodeType="tmRoot"/>
-      </p:par>
-    </p:tnLst>
-  </p:timing>
 </p:sldLayout>
 </file>
 
@@ -5891,7 +5821,7 @@
           </a:lstStyle>
           <a:p>
             <a:r>
-              <a:rPr lang="en-US" smtClean="0"/>
+              <a:rPr lang="en-US"/>
               <a:t>Click to edit Master title style</a:t>
             </a:r>
             <a:endParaRPr lang="en-US" dirty="0"/>
@@ -5923,35 +5853,35 @@
           <a:p>
             <a:pPr lvl="0"/>
             <a:r>
-              <a:rPr lang="en-US" smtClean="0"/>
+              <a:rPr lang="en-US"/>
               <a:t>Click to edit Master text styles</a:t>
             </a:r>
           </a:p>
           <a:p>
             <a:pPr lvl="1"/>
             <a:r>
-              <a:rPr lang="en-US" smtClean="0"/>
+              <a:rPr lang="en-US"/>
               <a:t>Second level</a:t>
             </a:r>
           </a:p>
           <a:p>
             <a:pPr lvl="2"/>
             <a:r>
-              <a:rPr lang="en-US" smtClean="0"/>
+              <a:rPr lang="en-US"/>
               <a:t>Third level</a:t>
             </a:r>
           </a:p>
           <a:p>
             <a:pPr lvl="3"/>
             <a:r>
-              <a:rPr lang="en-US" smtClean="0"/>
+              <a:rPr lang="en-US"/>
               <a:t>Fourth level</a:t>
             </a:r>
           </a:p>
           <a:p>
             <a:pPr lvl="4"/>
             <a:r>
-              <a:rPr lang="en-US" smtClean="0"/>
+              <a:rPr lang="en-US"/>
               <a:t>Fifth level</a:t>
             </a:r>
             <a:endParaRPr lang="en-US" dirty="0"/>
@@ -5984,7 +5914,7 @@
             <a:fld id="{B61BEF0D-F0BB-DE4B-95CE-6DB70DBA9567}" type="datetimeFigureOut">
               <a:rPr lang="en-US" dirty="0"/>
               <a:pPr/>
-              <a:t>24/04/2018</a:t>
+              <a:t>5/9/2024</a:t>
             </a:fld>
             <a:endParaRPr lang="en-US" dirty="0"/>
           </a:p>
@@ -6051,13 +5981,6 @@
   <p:clrMapOvr>
     <a:masterClrMapping/>
   </p:clrMapOvr>
-  <p:timing>
-    <p:tnLst>
-      <p:par>
-        <p:cTn id="1" dur="indefinite" restart="never" nodeType="tmRoot"/>
-      </p:par>
-    </p:tnLst>
-  </p:timing>
 </p:sldLayout>
 </file>
 
@@ -6088,13 +6011,6 @@
   <p:clrMapOvr>
     <a:masterClrMapping/>
   </p:clrMapOvr>
-  <p:timing>
-    <p:tnLst>
-      <p:par>
-        <p:cTn id="1" dur="indefinite" restart="never" nodeType="tmRoot"/>
-      </p:par>
-    </p:tnLst>
-  </p:timing>
 </p:sldLayout>
 </file>
 
@@ -6377,13 +6293,6 @@
     <p:sldLayoutId id="2147483674" r:id="rId7"/>
     <p:sldLayoutId id="2147483675" r:id="rId8"/>
   </p:sldLayoutIdLst>
-  <p:timing>
-    <p:tnLst>
-      <p:par>
-        <p:cTn id="1" dur="indefinite" restart="never" nodeType="tmRoot"/>
-      </p:par>
-    </p:tnLst>
-  </p:timing>
   <p:txStyles>
     <p:titleStyle>
       <a:lvl1pPr algn="ctr" defTabSz="685800" rtl="0" eaLnBrk="1" latinLnBrk="0" hangingPunct="1">
@@ -6807,13 +6716,6 @@
     <p:sldLayoutId id="2147483686" r:id="rId10"/>
     <p:sldLayoutId id="2147483687" r:id="rId11"/>
   </p:sldLayoutIdLst>
-  <p:timing>
-    <p:tnLst>
-      <p:par>
-        <p:cTn id="1" dur="indefinite" restart="never" nodeType="tmRoot"/>
-      </p:par>
-    </p:tnLst>
-  </p:timing>
   <p:txStyles>
     <p:titleStyle>
       <a:lvl1pPr algn="ctr" defTabSz="685800" rtl="0" eaLnBrk="1" latinLnBrk="0" hangingPunct="1">
@@ -7108,21 +7010,21 @@
           <a:p>
             <a:pPr algn="ctr"/>
             <a:r>
-              <a:rPr lang="en-US"/>
-              <a:t>CHAPTER 1</a:t>
+              <a:rPr lang="en-US" dirty="0" err="1"/>
+              <a:t>CHAPTfER</a:t>
+            </a:r>
+            <a:r>
+              <a:rPr lang="en-US" dirty="0"/>
+              <a:t> 0.1</a:t>
             </a:r>
             <a:br>
-              <a:rPr lang="en-US"/>
+              <a:rPr lang="en-US" dirty="0"/>
             </a:br>
             <a:r>
-              <a:rPr lang="en-US"/>
-              <a:t>The essential of software </a:t>
+              <a:rPr lang="en-US" dirty="0"/>
+              <a:t>The essential of software requirement </a:t>
             </a:r>
-            <a:r>
-              <a:rPr lang="en-US" smtClean="0"/>
-              <a:t>requirement </a:t>
-            </a:r>
-            <a:endParaRPr lang="en-US" sz="3000" i="1"/>
+            <a:endParaRPr lang="en-US" sz="3000" i="1" dirty="0"/>
           </a:p>
         </p:txBody>
       </p:sp>
@@ -7155,13 +7057,6 @@
   <p:clrMapOvr>
     <a:masterClrMapping/>
   </p:clrMapOvr>
-  <p:timing>
-    <p:tnLst>
-      <p:par>
-        <p:cTn id="1" dur="indefinite" restart="never" nodeType="tmRoot"/>
-      </p:par>
-    </p:tnLst>
-  </p:timing>
 </p:sld>
 </file>
 
@@ -7241,13 +7136,6 @@
   <p:clrMapOvr>
     <a:masterClrMapping/>
   </p:clrMapOvr>
-  <p:timing>
-    <p:tnLst>
-      <p:par>
-        <p:cTn id="1" dur="indefinite" restart="never" nodeType="tmRoot"/>
-      </p:par>
-    </p:tnLst>
-  </p:timing>
 </p:sld>
 </file>
 
@@ -7321,35 +7209,30 @@
               <a:rPr lang="en-US"/>
               <a:t>Insufficient user involvement </a:t>
             </a:r>
-            <a:endParaRPr lang="en-US" smtClean="0"/>
           </a:p>
           <a:p>
             <a:r>
               <a:rPr lang="en-US"/>
               <a:t>Inaccurate planning </a:t>
             </a:r>
-            <a:endParaRPr lang="en-US" smtClean="0"/>
           </a:p>
           <a:p>
             <a:r>
               <a:rPr lang="en-US"/>
               <a:t>Creeping user requirements </a:t>
             </a:r>
-            <a:endParaRPr lang="en-US" smtClean="0"/>
           </a:p>
           <a:p>
             <a:r>
               <a:rPr lang="en-US"/>
               <a:t>Ambiguous requirements </a:t>
             </a:r>
-            <a:endParaRPr lang="en-US" smtClean="0"/>
           </a:p>
           <a:p>
             <a:r>
               <a:rPr lang="en-US"/>
               <a:t>Gold plating </a:t>
             </a:r>
-            <a:endParaRPr lang="en-US" smtClean="0"/>
           </a:p>
           <a:p>
             <a:r>
@@ -7369,13 +7252,6 @@
   <p:clrMapOvr>
     <a:masterClrMapping/>
   </p:clrMapOvr>
-  <p:timing>
-    <p:tnLst>
-      <p:par>
-        <p:cTn id="1" dur="indefinite" restart="never" nodeType="tmRoot"/>
-      </p:par>
-    </p:tnLst>
-  </p:timing>
 </p:sld>
 </file>
 
@@ -7445,129 +7321,61 @@
           <a:p>
             <a:r>
               <a:rPr lang="en-US"/>
-              <a:t>Fewer defects in requirements and in the delivered product</a:t>
+              <a:t>Fewer defects in requirements and in the delivered product.</a:t>
             </a:r>
-            <a:r>
-              <a:rPr lang="en-US" smtClean="0"/>
-              <a:t>.</a:t>
-            </a:r>
-          </a:p>
-          <a:p>
-            <a:r>
-              <a:rPr lang="en-US" smtClean="0"/>
-              <a:t>Reduced </a:t>
-            </a:r>
+          </a:p>
+          <a:p>
             <a:r>
               <a:rPr lang="en-US"/>
-              <a:t>development rework</a:t>
+              <a:t>Reduced development rework.</a:t>
             </a:r>
-            <a:r>
-              <a:rPr lang="en-US" smtClean="0"/>
-              <a:t>.</a:t>
-            </a:r>
-          </a:p>
-          <a:p>
-            <a:r>
-              <a:rPr lang="en-US" smtClean="0"/>
-              <a:t>Faster </a:t>
-            </a:r>
+          </a:p>
+          <a:p>
             <a:r>
               <a:rPr lang="en-US"/>
-              <a:t>development and delivery</a:t>
+              <a:t>Faster development and delivery.</a:t>
             </a:r>
-            <a:r>
-              <a:rPr lang="en-US" smtClean="0"/>
-              <a:t>.</a:t>
-            </a:r>
-          </a:p>
-          <a:p>
-            <a:r>
-              <a:rPr lang="en-US" smtClean="0"/>
-              <a:t>Fewer </a:t>
-            </a:r>
+          </a:p>
+          <a:p>
             <a:r>
               <a:rPr lang="en-US"/>
-              <a:t>unnecessary and unused </a:t>
+              <a:t>Fewer unnecessary and unused features</a:t>
             </a:r>
-            <a:r>
-              <a:rPr lang="en-US" smtClean="0"/>
-              <a:t>features</a:t>
-            </a:r>
-          </a:p>
-          <a:p>
-            <a:r>
-              <a:rPr lang="en-US" smtClean="0"/>
-              <a:t>Lower </a:t>
-            </a:r>
+          </a:p>
+          <a:p>
             <a:r>
               <a:rPr lang="en-US"/>
-              <a:t>enhancement </a:t>
+              <a:t>Lower enhancement costs</a:t>
             </a:r>
-            <a:r>
-              <a:rPr lang="en-US" smtClean="0"/>
-              <a:t>costs</a:t>
-            </a:r>
-          </a:p>
-          <a:p>
-            <a:r>
-              <a:rPr lang="en-US" smtClean="0"/>
-              <a:t>Fewer </a:t>
-            </a:r>
+          </a:p>
+          <a:p>
             <a:r>
               <a:rPr lang="en-US"/>
-              <a:t>miscommunications. </a:t>
+              <a:t>Fewer miscommunications. </a:t>
             </a:r>
           </a:p>
           <a:p>
-            <a:r>
-              <a:rPr lang="en-US" smtClean="0"/>
-              <a:t>Reduced </a:t>
-            </a:r>
             <a:r>
               <a:rPr lang="en-US"/>
-              <a:t>scope creep</a:t>
+              <a:t>Reduced scope creep.</a:t>
             </a:r>
-            <a:r>
-              <a:rPr lang="en-US" smtClean="0"/>
-              <a:t>.</a:t>
-            </a:r>
-          </a:p>
-          <a:p>
-            <a:r>
-              <a:rPr lang="en-US" smtClean="0"/>
-              <a:t>Reduced </a:t>
-            </a:r>
+          </a:p>
+          <a:p>
             <a:r>
               <a:rPr lang="en-US"/>
-              <a:t>project chaos</a:t>
+              <a:t>Reduced project chaos.</a:t>
             </a:r>
-            <a:r>
-              <a:rPr lang="en-US" smtClean="0"/>
-              <a:t>.</a:t>
-            </a:r>
-          </a:p>
-          <a:p>
-            <a:r>
-              <a:rPr lang="en-US" smtClean="0"/>
-              <a:t>Higher </a:t>
-            </a:r>
+          </a:p>
+          <a:p>
             <a:r>
               <a:rPr lang="en-US"/>
-              <a:t>customer and team member </a:t>
+              <a:t>Higher customer and team member satisfaction.</a:t>
             </a:r>
-            <a:r>
-              <a:rPr lang="en-US" smtClean="0"/>
-              <a:t>satisfaction.</a:t>
-            </a:r>
-          </a:p>
-          <a:p>
-            <a:r>
-              <a:rPr lang="en-US" smtClean="0"/>
-              <a:t>Products </a:t>
-            </a:r>
+          </a:p>
+          <a:p>
             <a:r>
               <a:rPr lang="en-US"/>
-              <a:t>that do what they’re supposed to do.</a:t>
+              <a:t>Products that do what they’re supposed to do.</a:t>
             </a:r>
           </a:p>
         </p:txBody>
@@ -7582,13 +7390,6 @@
   <p:clrMapOvr>
     <a:masterClrMapping/>
   </p:clrMapOvr>
-  <p:timing>
-    <p:tnLst>
-      <p:par>
-        <p:cTn id="1" dur="indefinite" restart="never" nodeType="tmRoot"/>
-      </p:par>
-    </p:tnLst>
-  </p:timing>
 </p:sld>
 </file>
 
@@ -7625,10 +7426,9 @@
           <a:lstStyle/>
           <a:p>
             <a:r>
-              <a:rPr lang="en-US" smtClean="0"/>
+              <a:rPr lang="en-US"/>
               <a:t>Objectives</a:t>
             </a:r>
-            <a:endParaRPr lang="en-US"/>
           </a:p>
         </p:txBody>
       </p:sp>
@@ -7653,42 +7453,26 @@
           <a:lstStyle/>
           <a:p>
             <a:r>
-              <a:rPr lang="en-US" smtClean="0"/>
-              <a:t>Understand </a:t>
+              <a:rPr lang="en-US"/>
+              <a:t>Understand some key terms used in the software requirements domain. </a:t>
             </a:r>
+          </a:p>
+          <a:p>
             <a:r>
               <a:rPr lang="en-US"/>
-              <a:t>some key terms used in the software requirements domain. </a:t>
+              <a:t>Distinguish product requirements from project requirements. </a:t>
             </a:r>
           </a:p>
           <a:p>
-            <a:r>
-              <a:rPr lang="en-US" smtClean="0"/>
-              <a:t>Distinguish </a:t>
-            </a:r>
             <a:r>
               <a:rPr lang="en-US"/>
-              <a:t>product requirements from project requirements. </a:t>
+              <a:t>Distinguish requirements development from requirements management. </a:t>
             </a:r>
           </a:p>
           <a:p>
-            <a:r>
-              <a:rPr lang="en-US" smtClean="0"/>
-              <a:t>Distinguish </a:t>
-            </a:r>
             <a:r>
               <a:rPr lang="en-US"/>
-              <a:t>requirements development from requirements management. </a:t>
-            </a:r>
-          </a:p>
-          <a:p>
-            <a:r>
-              <a:rPr lang="en-US" smtClean="0"/>
-              <a:t>Be </a:t>
-            </a:r>
-            <a:r>
-              <a:rPr lang="en-US"/>
-              <a:t>alert to several requirements-related problems that can arise</a:t>
+              <a:t>Be alert to several requirements-related problems that can arise</a:t>
             </a:r>
           </a:p>
         </p:txBody>
@@ -7703,13 +7487,6 @@
   <p:clrMapOvr>
     <a:masterClrMapping/>
   </p:clrMapOvr>
-  <p:timing>
-    <p:tnLst>
-      <p:par>
-        <p:cTn id="1" dur="indefinite" restart="never" nodeType="tmRoot"/>
-      </p:par>
-    </p:tnLst>
-  </p:timing>
 </p:sld>
 </file>
 
@@ -7752,23 +7529,15 @@
           </a:bodyPr>
           <a:lstStyle/>
           <a:p>
+            <a:br>
+              <a:rPr lang="en-US"/>
+            </a:br>
             <a:r>
-              <a:rPr lang="en-US" smtClean="0"/>
-              <a:t/>
+              <a:rPr lang="en-US"/>
+              <a:t>Contents</a:t>
             </a:r>
             <a:br>
-              <a:rPr lang="en-US" smtClean="0"/>
-            </a:br>
-            <a:r>
-              <a:rPr lang="en-US" smtClean="0"/>
-              <a:t>Contents</a:t>
-            </a:r>
-            <a:r>
-              <a:rPr lang="en-US" smtClean="0"/>
-              <a:t/>
-            </a:r>
-            <a:br>
-              <a:rPr lang="en-US" smtClean="0"/>
+              <a:rPr lang="en-US"/>
             </a:br>
             <a:endParaRPr lang="en-US"/>
           </a:p>
@@ -7809,14 +7578,9 @@
               <a:buAutoNum type="arabicPeriod"/>
             </a:pPr>
             <a:r>
-              <a:rPr lang="en-US" smtClean="0"/>
-              <a:t>Software </a:t>
+              <a:rPr lang="en-US"/>
+              <a:t>Software requirements defined </a:t>
             </a:r>
-            <a:r>
-              <a:rPr lang="en-US"/>
-              <a:t>requirements defined </a:t>
-            </a:r>
-            <a:endParaRPr lang="en-US" smtClean="0"/>
           </a:p>
           <a:p>
             <a:pPr marL="342900" indent="-342900">
@@ -7827,7 +7591,6 @@
               <a:rPr lang="en-US"/>
               <a:t>Requirements development and management </a:t>
             </a:r>
-            <a:endParaRPr lang="en-US" smtClean="0"/>
           </a:p>
           <a:p>
             <a:pPr marL="342900" indent="-342900">
@@ -7835,16 +7598,8 @@
               <a:buAutoNum type="arabicPeriod"/>
             </a:pPr>
             <a:r>
-              <a:rPr lang="en-US" smtClean="0"/>
-              <a:t>When </a:t>
-            </a:r>
-            <a:r>
               <a:rPr lang="en-US"/>
-              <a:t>bad requirements happen to good </a:t>
-            </a:r>
-            <a:r>
-              <a:rPr lang="en-US" smtClean="0"/>
-              <a:t>people</a:t>
+              <a:t>When bad requirements happen to good people</a:t>
             </a:r>
           </a:p>
           <a:p>
@@ -7869,13 +7624,6 @@
   <p:clrMapOvr>
     <a:masterClrMapping/>
   </p:clrMapOvr>
-  <p:timing>
-    <p:tnLst>
-      <p:par>
-        <p:cTn id="1" dur="indefinite" restart="never" nodeType="tmRoot"/>
-      </p:par>
-    </p:tnLst>
-  </p:timing>
 </p:sld>
 </file>
 
@@ -7921,11 +7669,7 @@
             <a:pPr algn="ctr"/>
             <a:r>
               <a:rPr lang="en-US"/>
-              <a:t>Why </a:t>
-            </a:r>
-            <a:r>
-              <a:rPr lang="en-US" smtClean="0"/>
-              <a:t>is requirement engineering?</a:t>
+              <a:t>Why is requirement engineering?</a:t>
             </a:r>
           </a:p>
         </p:txBody>
@@ -17280,12 +17024,6 @@
               <a:buFontTx/>
               <a:buNone/>
             </a:pPr>
-            <a:r>
-              <a:rPr lang="en-CA" sz="900">
-                <a:latin typeface="Times New Roman" panose="02020603050405020304" pitchFamily="18" charset="0"/>
-              </a:rPr>
-              <a:t/>
-            </a:r>
             <a:br>
               <a:rPr lang="en-CA" sz="900">
                 <a:latin typeface="Times New Roman" panose="02020603050405020304" pitchFamily="18" charset="0"/>
@@ -17310,13 +17048,6 @@
   <p:clrMapOvr>
     <a:masterClrMapping/>
   </p:clrMapOvr>
-  <p:timing>
-    <p:tnLst>
-      <p:par>
-        <p:cTn id="1" dur="indefinite" restart="never" nodeType="tmRoot"/>
-      </p:par>
-    </p:tnLst>
-  </p:timing>
 </p:sld>
 </file>
 
@@ -17358,10 +17089,9 @@
           <a:lstStyle/>
           <a:p>
             <a:r>
-              <a:rPr lang="en-US" smtClean="0"/>
+              <a:rPr lang="en-US"/>
               <a:t>Software requirements defined</a:t>
             </a:r>
-            <a:endParaRPr lang="en-US"/>
           </a:p>
         </p:txBody>
       </p:sp>
@@ -17387,63 +17117,38 @@
           <a:p>
             <a:r>
               <a:rPr lang="en-US"/>
-              <a:t> Brian </a:t>
+              <a:t> Brian Lawrence: “anything that drives design choices” (</a:t>
             </a:r>
             <a:r>
-              <a:rPr lang="en-US" smtClean="0"/>
-              <a:t>Lawrence: “</a:t>
+              <a:rPr lang="en-US" i="1"/>
+              <a:t>Lawrence 1997</a:t>
             </a:r>
             <a:r>
               <a:rPr lang="en-US"/>
-              <a:t>anything that drives design choices” (</a:t>
+              <a:t>)</a:t>
+            </a:r>
+          </a:p>
+          <a:p>
+            <a:endParaRPr lang="en-US"/>
+          </a:p>
+          <a:p>
+            <a:pPr algn="just"/>
+            <a:r>
+              <a:rPr lang="en-US"/>
+              <a:t>“ </a:t>
+            </a:r>
+            <a:r>
+              <a:rPr lang="en-US" b="1"/>
+              <a:t>Requirements are a specification of what should be implemented. They are descriptions of how the system should behave, or of a system property or attribute. They may be a constraint on the development process of the system</a:t>
+            </a:r>
+            <a:r>
+              <a:rPr lang="en-US"/>
+              <a:t>”  </a:t>
             </a:r>
             <a:r>
               <a:rPr lang="en-US" i="1"/>
-              <a:t>Lawrence </a:t>
+              <a:t>Ian Sommerville and Pete Sawyer (1997)</a:t>
             </a:r>
-            <a:r>
-              <a:rPr lang="en-US" i="1" smtClean="0"/>
-              <a:t>1997</a:t>
-            </a:r>
-            <a:r>
-              <a:rPr lang="en-US" smtClean="0"/>
-              <a:t>)</a:t>
-            </a:r>
-          </a:p>
-          <a:p>
-            <a:endParaRPr lang="en-US"/>
-          </a:p>
-          <a:p>
-            <a:pPr algn="just"/>
-            <a:r>
-              <a:rPr lang="en-US" smtClean="0"/>
-              <a:t>“ </a:t>
-            </a:r>
-            <a:r>
-              <a:rPr lang="en-US" b="1" smtClean="0"/>
-              <a:t>Requirements </a:t>
-            </a:r>
-            <a:r>
-              <a:rPr lang="en-US" b="1"/>
-              <a:t>are a specification of what should be implemented. They are descriptions of how the system should behave, or of a system property or attribute. They may be a constraint on the development process of the system</a:t>
-            </a:r>
-            <a:r>
-              <a:rPr lang="en-US"/>
-              <a:t>” </a:t>
-            </a:r>
-            <a:r>
-              <a:rPr lang="en-US" smtClean="0"/>
-              <a:t> </a:t>
-            </a:r>
-            <a:r>
-              <a:rPr lang="en-US" i="1"/>
-              <a:t>Ian Sommerville and Pete Sawyer (1997</a:t>
-            </a:r>
-            <a:r>
-              <a:rPr lang="en-US" i="1" smtClean="0"/>
-              <a:t>)</a:t>
-            </a:r>
-            <a:endParaRPr lang="en-US" i="1"/>
           </a:p>
         </p:txBody>
       </p:sp>
@@ -17457,13 +17162,6 @@
   <p:clrMapOvr>
     <a:masterClrMapping/>
   </p:clrMapOvr>
-  <p:timing>
-    <p:tnLst>
-      <p:par>
-        <p:cTn id="1" dur="indefinite" restart="never" nodeType="tmRoot"/>
-      </p:par>
-    </p:tnLst>
-  </p:timing>
 </p:sld>
 </file>
 
@@ -17529,10 +17227,9 @@
           <a:lstStyle/>
           <a:p>
             <a:r>
-              <a:rPr lang="en-US" smtClean="0"/>
+              <a:rPr lang="en-US"/>
               <a:t>Types of requirements</a:t>
             </a:r>
-            <a:endParaRPr lang="en-US"/>
           </a:p>
         </p:txBody>
       </p:sp>
@@ -17546,13 +17243,6 @@
   <p:clrMapOvr>
     <a:masterClrMapping/>
   </p:clrMapOvr>
-  <p:timing>
-    <p:tnLst>
-      <p:par>
-        <p:cTn id="1" dur="indefinite" restart="never" nodeType="tmRoot"/>
-      </p:par>
-    </p:tnLst>
-  </p:timing>
 </p:sld>
 </file>
 
@@ -17635,13 +17325,6 @@
   <p:clrMapOvr>
     <a:masterClrMapping/>
   </p:clrMapOvr>
-  <p:timing>
-    <p:tnLst>
-      <p:par>
-        <p:cTn id="1" dur="indefinite" restart="never" nodeType="tmRoot"/>
-      </p:par>
-    </p:tnLst>
-  </p:timing>
 </p:sld>
 </file>
 
@@ -17682,21 +17365,8 @@
             <a:pPr algn="ctr"/>
             <a:r>
               <a:rPr lang="en-US"/>
-              <a:t> </a:t>
+              <a:t> The participation of stakeholders in requirements development</a:t>
             </a:r>
-            <a:r>
-              <a:rPr lang="en-US" smtClean="0"/>
-              <a:t>The participation of stakeholders in </a:t>
-            </a:r>
-            <a:r>
-              <a:rPr lang="en-US"/>
-              <a:t>requirements </a:t>
-            </a:r>
-            <a:r>
-              <a:rPr lang="en-US" smtClean="0"/>
-              <a:t>development</a:t>
-            </a:r>
-            <a:endParaRPr lang="en-US"/>
           </a:p>
         </p:txBody>
       </p:sp>
@@ -17734,13 +17404,6 @@
   <p:clrMapOvr>
     <a:masterClrMapping/>
   </p:clrMapOvr>
-  <p:timing>
-    <p:tnLst>
-      <p:par>
-        <p:cTn id="1" dur="indefinite" restart="never" nodeType="tmRoot"/>
-      </p:par>
-    </p:tnLst>
-  </p:timing>
 </p:sld>
 </file>
 
@@ -17810,11 +17473,7 @@
           <a:p>
             <a:r>
               <a:rPr lang="en-US"/>
-              <a:t> </a:t>
-            </a:r>
-            <a:r>
-              <a:rPr lang="en-US" smtClean="0"/>
-              <a:t>Product requirements:</a:t>
+              <a:t> Product requirements:</a:t>
             </a:r>
           </a:p>
           <a:p>
@@ -17826,19 +17485,15 @@
           </a:p>
           <a:p>
             <a:r>
-              <a:rPr lang="en-US" smtClean="0"/>
+              <a:rPr lang="en-US"/>
               <a:t>Projects requirements:</a:t>
             </a:r>
           </a:p>
           <a:p>
             <a:pPr lvl="1"/>
             <a:r>
-              <a:rPr lang="en-US" smtClean="0"/>
-              <a:t>do </a:t>
-            </a:r>
-            <a:r>
               <a:rPr lang="en-US"/>
-              <a:t>have other expectations and deliverables that are not a part of the software the team implements, but that are necessary to the successful completion of the project as a whole</a:t>
+              <a:t>do have other expectations and deliverables that are not a part of the software the team implements, but that are necessary to the successful completion of the project as a whole</a:t>
             </a:r>
           </a:p>
         </p:txBody>
@@ -17853,13 +17508,6 @@
   <p:clrMapOvr>
     <a:masterClrMapping/>
   </p:clrMapOvr>
-  <p:timing>
-    <p:tnLst>
-      <p:par>
-        <p:cTn id="1" dur="indefinite" restart="never" nodeType="tmRoot"/>
-      </p:par>
-    </p:tnLst>
-  </p:timing>
 </p:sld>
 </file>
 
